--- a/clases/Cap06_Restauracion/presentations/IMG06_Deconvolution.pptx
+++ b/clases/Cap06_Restauracion/presentations/IMG06_Deconvolution.pptx
@@ -228,7 +228,7 @@
           <a:p>
             <a:fld id="{678C770B-B503-C841-A55C-00AF9EBD4322}" type="datetimeFigureOut">
               <a:rPr lang="en-US" smtClean="0"/>
-              <a:t>10/28/20</a:t>
+              <a:t>11/4/21</a:t>
             </a:fld>
             <a:endParaRPr lang="en-US"/>
           </a:p>
@@ -589,6 +589,90 @@
 </p:notes>
 </file>
 
+<file path=ppt/notesSlides/notesSlide2.xml><?xml version="1.0" encoding="utf-8"?>
+<p:notes xmlns:a="http://schemas.openxmlformats.org/drawingml/2006/main" xmlns:r="http://schemas.openxmlformats.org/officeDocument/2006/relationships" xmlns:p="http://schemas.openxmlformats.org/presentationml/2006/main">
+  <p:cSld>
+    <p:spTree>
+      <p:nvGrpSpPr>
+        <p:cNvPr id="1" name=""/>
+        <p:cNvGrpSpPr/>
+        <p:nvPr/>
+      </p:nvGrpSpPr>
+      <p:grpSpPr>
+        <a:xfrm>
+          <a:off x="0" y="0"/>
+          <a:ext cx="0" cy="0"/>
+          <a:chOff x="0" y="0"/>
+          <a:chExt cx="0" cy="0"/>
+        </a:xfrm>
+      </p:grpSpPr>
+      <p:sp>
+        <p:nvSpPr>
+          <p:cNvPr id="2" name="Slide Image Placeholder 1"/>
+          <p:cNvSpPr>
+            <a:spLocks noGrp="1" noRot="1" noChangeAspect="1"/>
+          </p:cNvSpPr>
+          <p:nvPr>
+            <p:ph type="sldImg"/>
+          </p:nvPr>
+        </p:nvSpPr>
+        <p:spPr/>
+      </p:sp>
+      <p:sp>
+        <p:nvSpPr>
+          <p:cNvPr id="3" name="Notes Placeholder 2"/>
+          <p:cNvSpPr>
+            <a:spLocks noGrp="1"/>
+          </p:cNvSpPr>
+          <p:nvPr>
+            <p:ph type="body" idx="1"/>
+          </p:nvPr>
+        </p:nvSpPr>
+        <p:spPr/>
+        <p:txBody>
+          <a:bodyPr/>
+          <a:lstStyle/>
+          <a:p>
+            <a:endParaRPr lang="es-ES_tradnl" dirty="0"/>
+          </a:p>
+        </p:txBody>
+      </p:sp>
+      <p:sp>
+        <p:nvSpPr>
+          <p:cNvPr id="4" name="Slide Number Placeholder 3"/>
+          <p:cNvSpPr>
+            <a:spLocks noGrp="1"/>
+          </p:cNvSpPr>
+          <p:nvPr>
+            <p:ph type="sldNum" sz="quarter" idx="5"/>
+          </p:nvPr>
+        </p:nvSpPr>
+        <p:spPr/>
+        <p:txBody>
+          <a:bodyPr/>
+          <a:lstStyle/>
+          <a:p>
+            <a:fld id="{6575189C-94AD-8B43-A457-2873B85E5D8E}" type="slidenum">
+              <a:rPr lang="en-US" smtClean="0"/>
+              <a:t>20</a:t>
+            </a:fld>
+            <a:endParaRPr lang="en-US"/>
+          </a:p>
+        </p:txBody>
+      </p:sp>
+    </p:spTree>
+    <p:extLst>
+      <p:ext uri="{BB962C8B-B14F-4D97-AF65-F5344CB8AC3E}">
+        <p14:creationId xmlns:p14="http://schemas.microsoft.com/office/powerpoint/2010/main" val="1853946620"/>
+      </p:ext>
+    </p:extLst>
+  </p:cSld>
+  <p:clrMapOvr>
+    <a:masterClrMapping/>
+  </p:clrMapOvr>
+</p:notes>
+</file>
+
 <file path=ppt/slideLayouts/slideLayout1.xml><?xml version="1.0" encoding="utf-8"?>
 <p:sldLayout xmlns:a="http://schemas.openxmlformats.org/drawingml/2006/main" xmlns:r="http://schemas.openxmlformats.org/officeDocument/2006/relationships" xmlns:p="http://schemas.openxmlformats.org/presentationml/2006/main" type="title" preserve="1">
   <p:cSld name="Title Slide">
@@ -770,7 +854,7 @@
           <a:p>
             <a:fld id="{2D6C505C-4733-2D4D-B465-C1E86A553F67}" type="datetimeFigureOut">
               <a:rPr lang="en-US" smtClean="0"/>
-              <a:t>10/28/20</a:t>
+              <a:t>11/4/21</a:t>
             </a:fld>
             <a:endParaRPr lang="en-US"/>
           </a:p>
@@ -940,7 +1024,7 @@
           <a:p>
             <a:fld id="{2D6C505C-4733-2D4D-B465-C1E86A553F67}" type="datetimeFigureOut">
               <a:rPr lang="en-US" smtClean="0"/>
-              <a:t>10/28/20</a:t>
+              <a:t>11/4/21</a:t>
             </a:fld>
             <a:endParaRPr lang="en-US"/>
           </a:p>
@@ -1120,7 +1204,7 @@
           <a:p>
             <a:fld id="{2D6C505C-4733-2D4D-B465-C1E86A553F67}" type="datetimeFigureOut">
               <a:rPr lang="en-US" smtClean="0"/>
-              <a:t>10/28/20</a:t>
+              <a:t>11/4/21</a:t>
             </a:fld>
             <a:endParaRPr lang="en-US"/>
           </a:p>
@@ -1290,7 +1374,7 @@
           <a:p>
             <a:fld id="{2D6C505C-4733-2D4D-B465-C1E86A553F67}" type="datetimeFigureOut">
               <a:rPr lang="en-US" smtClean="0"/>
-              <a:t>10/28/20</a:t>
+              <a:t>11/4/21</a:t>
             </a:fld>
             <a:endParaRPr lang="en-US"/>
           </a:p>
@@ -1536,7 +1620,7 @@
           <a:p>
             <a:fld id="{2D6C505C-4733-2D4D-B465-C1E86A553F67}" type="datetimeFigureOut">
               <a:rPr lang="en-US" smtClean="0"/>
-              <a:t>10/28/20</a:t>
+              <a:t>11/4/21</a:t>
             </a:fld>
             <a:endParaRPr lang="en-US"/>
           </a:p>
@@ -1824,7 +1908,7 @@
           <a:p>
             <a:fld id="{2D6C505C-4733-2D4D-B465-C1E86A553F67}" type="datetimeFigureOut">
               <a:rPr lang="en-US" smtClean="0"/>
-              <a:t>10/28/20</a:t>
+              <a:t>11/4/21</a:t>
             </a:fld>
             <a:endParaRPr lang="en-US"/>
           </a:p>
@@ -2246,7 +2330,7 @@
           <a:p>
             <a:fld id="{2D6C505C-4733-2D4D-B465-C1E86A553F67}" type="datetimeFigureOut">
               <a:rPr lang="en-US" smtClean="0"/>
-              <a:t>10/28/20</a:t>
+              <a:t>11/4/21</a:t>
             </a:fld>
             <a:endParaRPr lang="en-US"/>
           </a:p>
@@ -2364,7 +2448,7 @@
           <a:p>
             <a:fld id="{2D6C505C-4733-2D4D-B465-C1E86A553F67}" type="datetimeFigureOut">
               <a:rPr lang="en-US" smtClean="0"/>
-              <a:t>10/28/20</a:t>
+              <a:t>11/4/21</a:t>
             </a:fld>
             <a:endParaRPr lang="en-US"/>
           </a:p>
@@ -2459,7 +2543,7 @@
           <a:p>
             <a:fld id="{2D6C505C-4733-2D4D-B465-C1E86A553F67}" type="datetimeFigureOut">
               <a:rPr lang="en-US" smtClean="0"/>
-              <a:t>10/28/20</a:t>
+              <a:t>11/4/21</a:t>
             </a:fld>
             <a:endParaRPr lang="en-US"/>
           </a:p>
@@ -2736,7 +2820,7 @@
           <a:p>
             <a:fld id="{2D6C505C-4733-2D4D-B465-C1E86A553F67}" type="datetimeFigureOut">
               <a:rPr lang="en-US" smtClean="0"/>
-              <a:t>10/28/20</a:t>
+              <a:t>11/4/21</a:t>
             </a:fld>
             <a:endParaRPr lang="en-US"/>
           </a:p>
@@ -2989,7 +3073,7 @@
           <a:p>
             <a:fld id="{2D6C505C-4733-2D4D-B465-C1E86A553F67}" type="datetimeFigureOut">
               <a:rPr lang="en-US" smtClean="0"/>
-              <a:t>10/28/20</a:t>
+              <a:t>11/4/21</a:t>
             </a:fld>
             <a:endParaRPr lang="en-US"/>
           </a:p>
@@ -3202,7 +3286,7 @@
           <a:p>
             <a:fld id="{2D6C505C-4733-2D4D-B465-C1E86A553F67}" type="datetimeFigureOut">
               <a:rPr lang="en-US" smtClean="0"/>
-              <a:t>10/28/20</a:t>
+              <a:t>11/4/21</a:t>
             </a:fld>
             <a:endParaRPr lang="en-US"/>
           </a:p>
@@ -10019,13 +10103,8 @@
           <a:p>
             <a:r>
               <a:rPr lang="es-ES_tradnl" sz="3600" dirty="0"/>
-              <a:t>Degradación en el dominio de </a:t>
-            </a:r>
-            <a:r>
-              <a:rPr lang="es-ES_tradnl" sz="3600" dirty="0" err="1"/>
-              <a:t>Foruier</a:t>
-            </a:r>
-            <a:endParaRPr lang="es-ES_tradnl" sz="3600" dirty="0"/>
+              <a:t>Degradación en el dominio de Fourier</a:t>
+            </a:r>
           </a:p>
         </p:txBody>
       </p:sp>
@@ -10583,7 +10662,7 @@
             <p:nvPr/>
           </p:nvPicPr>
           <p:blipFill>
-            <a:blip r:embed="rId2">
+            <a:blip r:embed="rId3">
               <a:alphaModFix/>
             </a:blip>
             <a:stretch>
@@ -10750,7 +10829,7 @@
             <p:nvPr/>
           </p:nvPicPr>
           <p:blipFill>
-            <a:blip r:embed="rId3"/>
+            <a:blip r:embed="rId4"/>
             <a:stretch>
               <a:fillRect/>
             </a:stretch>
@@ -10801,7 +10880,7 @@
             <p:nvPr/>
           </p:nvPicPr>
           <p:blipFill rotWithShape="1">
-            <a:blip r:embed="rId4"/>
+            <a:blip r:embed="rId5"/>
             <a:srcRect l="30868" r="26145"/>
             <a:stretch/>
           </p:blipFill>
@@ -10926,7 +11005,7 @@
             <p:nvPr/>
           </p:nvPicPr>
           <p:blipFill>
-            <a:blip r:embed="rId5"/>
+            <a:blip r:embed="rId6"/>
             <a:stretch>
               <a:fillRect/>
             </a:stretch>
@@ -10995,7 +11074,7 @@
             <p:nvPr/>
           </p:nvPicPr>
           <p:blipFill>
-            <a:blip r:embed="rId3"/>
+            <a:blip r:embed="rId4"/>
             <a:stretch>
               <a:fillRect/>
             </a:stretch>
@@ -11046,7 +11125,7 @@
             <p:nvPr/>
           </p:nvPicPr>
           <p:blipFill>
-            <a:blip r:embed="rId6"/>
+            <a:blip r:embed="rId7"/>
             <a:stretch>
               <a:fillRect/>
             </a:stretch>
@@ -11172,7 +11251,7 @@
             <p:nvPr/>
           </p:nvPicPr>
           <p:blipFill>
-            <a:blip r:embed="rId7"/>
+            <a:blip r:embed="rId8"/>
             <a:stretch>
               <a:fillRect/>
             </a:stretch>
@@ -11238,7 +11317,7 @@
             <p:nvPr/>
           </p:nvPicPr>
           <p:blipFill>
-            <a:blip r:embed="rId3"/>
+            <a:blip r:embed="rId4"/>
             <a:stretch>
               <a:fillRect/>
             </a:stretch>
@@ -11289,7 +11368,7 @@
             <p:nvPr/>
           </p:nvPicPr>
           <p:blipFill rotWithShape="1">
-            <a:blip r:embed="rId8"/>
+            <a:blip r:embed="rId9"/>
             <a:srcRect l="32284" r="28971"/>
             <a:stretch/>
           </p:blipFill>
@@ -11414,7 +11493,7 @@
             <p:nvPr/>
           </p:nvPicPr>
           <p:blipFill>
-            <a:blip r:embed="rId9"/>
+            <a:blip r:embed="rId10"/>
             <a:stretch>
               <a:fillRect/>
             </a:stretch>
@@ -11480,7 +11559,7 @@
             <p:nvPr/>
           </p:nvPicPr>
           <p:blipFill>
-            <a:blip r:embed="rId3"/>
+            <a:blip r:embed="rId4"/>
             <a:stretch>
               <a:fillRect/>
             </a:stretch>
@@ -11531,7 +11610,7 @@
             <p:nvPr/>
           </p:nvPicPr>
           <p:blipFill>
-            <a:blip r:embed="rId10"/>
+            <a:blip r:embed="rId11"/>
             <a:stretch>
               <a:fillRect/>
             </a:stretch>
@@ -11653,6 +11732,9 @@
           </a:bodyPr>
           <a:lstStyle/>
           <a:p>
+            <a:pPr marL="342900" indent="-342900">
+              <a:buAutoNum type="arabicParenR"/>
+            </a:pPr>
             <a:r>
               <a:rPr lang="en-US" i="1" dirty="0">
                 <a:solidFill>
@@ -11661,7 +11743,7 @@
                   </a:schemeClr>
                 </a:solidFill>
               </a:rPr>
-              <a:t>1)	Para </a:t>
+              <a:t>Para </a:t>
             </a:r>
             <a:r>
               <a:rPr lang="en-US" i="1" dirty="0" err="1">
@@ -11701,7 +11783,7 @@
                   </a:schemeClr>
                 </a:solidFill>
               </a:rPr>
-              <a:t>, R es alto =&gt; </a:t>
+              <a:t>, R es alto </a:t>
             </a:r>
           </a:p>
           <a:p>
@@ -11713,7 +11795,7 @@
                   </a:schemeClr>
                 </a:solidFill>
               </a:rPr>
-              <a:t>	W es bajo</a:t>
+              <a:t>	=&gt; W es bajo</a:t>
             </a:r>
           </a:p>
           <a:p>
@@ -11726,6 +11808,9 @@
             </a:endParaRPr>
           </a:p>
           <a:p>
+            <a:pPr marL="342900" indent="-342900">
+              <a:buAutoNum type="arabicParenR" startAt="2"/>
+            </a:pPr>
             <a:r>
               <a:rPr lang="en-US" i="1" dirty="0">
                 <a:solidFill>
@@ -11734,7 +11819,7 @@
                   </a:schemeClr>
                 </a:solidFill>
               </a:rPr>
-              <a:t>2)	Para </a:t>
+              <a:t>Para </a:t>
             </a:r>
             <a:r>
               <a:rPr lang="en-US" i="1" dirty="0" err="1">
@@ -11774,7 +11859,7 @@
                   </a:schemeClr>
                 </a:solidFill>
               </a:rPr>
-              <a:t>, R es bajo =&gt;</a:t>
+              <a:t>, R es bajo </a:t>
             </a:r>
           </a:p>
           <a:p>
@@ -11786,7 +11871,27 @@
                   </a:schemeClr>
                 </a:solidFill>
               </a:rPr>
-              <a:t>	W = 1/H</a:t>
+              <a:t>	=&gt; W  es </a:t>
+            </a:r>
+            <a:r>
+              <a:rPr lang="en-US" i="1" dirty="0" err="1">
+                <a:solidFill>
+                  <a:schemeClr val="accent6">
+                    <a:lumMod val="75000"/>
+                  </a:schemeClr>
+                </a:solidFill>
+              </a:rPr>
+              <a:t>aprox</a:t>
+            </a:r>
+            <a:r>
+              <a:rPr lang="en-US" i="1" dirty="0">
+                <a:solidFill>
+                  <a:schemeClr val="accent6">
+                    <a:lumMod val="75000"/>
+                  </a:schemeClr>
+                </a:solidFill>
+              </a:rPr>
+              <a:t>. 1/H</a:t>
             </a:r>
           </a:p>
         </p:txBody>
@@ -11806,7 +11911,7 @@
           <p:nvPr/>
         </p:nvPicPr>
         <p:blipFill>
-          <a:blip r:embed="rId11"/>
+          <a:blip r:embed="rId12"/>
           <a:stretch>
             <a:fillRect/>
           </a:stretch>
@@ -12372,13 +12477,10 @@
           <a:lstStyle/>
           <a:p>
             <a:r>
-              <a:rPr lang="en-US" dirty="0" err="1"/>
-              <a:t>Deconvolución</a:t>
-            </a:r>
-            <a:r>
-              <a:rPr lang="en-US" dirty="0"/>
-              <a:t> General</a:t>
-            </a:r>
+              <a:rPr lang="en-US"/>
+              <a:t>Winer Filter</a:t>
+            </a:r>
+            <a:endParaRPr lang="en-US" dirty="0"/>
           </a:p>
         </p:txBody>
       </p:sp>
@@ -12404,7 +12506,7 @@
         </p:blipFill>
         <p:spPr>
           <a:xfrm>
-            <a:off x="0" y="2795196"/>
+            <a:off x="0" y="4177944"/>
             <a:ext cx="9144000" cy="1267607"/>
           </a:xfrm>
           <a:prstGeom prst="rect">
@@ -12426,8 +12528,8 @@
         </p:nvSpPr>
         <p:spPr>
           <a:xfrm>
-            <a:off x="3853543" y="4849586"/>
-            <a:ext cx="3216137" cy="584775"/>
+            <a:off x="6535592" y="5999876"/>
+            <a:ext cx="2081019" cy="400110"/>
           </a:xfrm>
           <a:prstGeom prst="rect">
             <a:avLst/>
@@ -12441,19 +12543,19 @@
           <a:lstStyle/>
           <a:p>
             <a:r>
-              <a:rPr lang="en-US" sz="3200" dirty="0" err="1"/>
+              <a:rPr lang="en-US" sz="2000" dirty="0" err="1"/>
               <a:t>Filtro</a:t>
             </a:r>
             <a:r>
-              <a:rPr lang="en-US" sz="3200" dirty="0"/>
+              <a:rPr lang="en-US" sz="2000" dirty="0"/>
               <a:t> </a:t>
             </a:r>
             <a:r>
-              <a:rPr lang="en-US" sz="3200" dirty="0" err="1"/>
+              <a:rPr lang="en-US" sz="2000" dirty="0" err="1"/>
               <a:t>inverso</a:t>
             </a:r>
             <a:r>
-              <a:rPr lang="en-US" sz="3200" dirty="0"/>
+              <a:rPr lang="en-US" sz="2000" dirty="0"/>
               <a:t> total</a:t>
             </a:r>
           </a:p>
@@ -12481,8 +12583,8 @@
         </p:blipFill>
         <p:spPr>
           <a:xfrm>
-            <a:off x="2458357" y="4970523"/>
-            <a:ext cx="1092200" cy="342900"/>
+            <a:off x="5430336" y="6065058"/>
+            <a:ext cx="847351" cy="266029"/>
           </a:xfrm>
           <a:prstGeom prst="rect">
             <a:avLst/>
@@ -12511,8 +12613,8 @@
         </p:blipFill>
         <p:spPr>
           <a:xfrm>
-            <a:off x="2478309" y="5537200"/>
-            <a:ext cx="1117600" cy="355600"/>
+            <a:off x="477152" y="6128215"/>
+            <a:ext cx="867057" cy="275882"/>
           </a:xfrm>
           <a:prstGeom prst="rect">
             <a:avLst/>
@@ -12533,8 +12635,8 @@
         </p:nvSpPr>
         <p:spPr>
           <a:xfrm>
-            <a:off x="3858985" y="5426534"/>
-            <a:ext cx="4939814" cy="584775"/>
+            <a:off x="1567898" y="6073304"/>
+            <a:ext cx="3127266" cy="400110"/>
           </a:xfrm>
           <a:prstGeom prst="rect">
             <a:avLst/>
@@ -12548,28 +12650,350 @@
           <a:lstStyle/>
           <a:p>
             <a:r>
-              <a:rPr lang="en-US" sz="3200" dirty="0" err="1"/>
+              <a:rPr lang="en-US" sz="2000" dirty="0" err="1"/>
               <a:t>Filtro</a:t>
             </a:r>
             <a:r>
-              <a:rPr lang="en-US" sz="3200" dirty="0"/>
+              <a:rPr lang="en-US" sz="2000" dirty="0"/>
               <a:t> </a:t>
             </a:r>
             <a:r>
-              <a:rPr lang="en-US" sz="3200" dirty="0" err="1"/>
+              <a:rPr lang="en-US" sz="2000" dirty="0" err="1"/>
               <a:t>inverso</a:t>
             </a:r>
             <a:r>
-              <a:rPr lang="en-US" sz="3200" dirty="0"/>
+              <a:rPr lang="en-US" sz="2000" dirty="0"/>
               <a:t> </a:t>
             </a:r>
             <a:r>
-              <a:rPr lang="en-US" sz="3200" i="1" dirty="0" err="1"/>
+              <a:rPr lang="en-US" sz="2000" i="1" dirty="0" err="1"/>
               <a:t>corregido</a:t>
             </a:r>
             <a:r>
-              <a:rPr lang="en-US" sz="3200" dirty="0"/>
+              <a:rPr lang="en-US" sz="2000" dirty="0"/>
               <a:t> total</a:t>
+            </a:r>
+          </a:p>
+        </p:txBody>
+      </p:sp>
+      <p:pic>
+        <p:nvPicPr>
+          <p:cNvPr id="3" name="Picture 2">
+            <a:extLst>
+              <a:ext uri="{FF2B5EF4-FFF2-40B4-BE49-F238E27FC236}">
+                <a16:creationId xmlns:a16="http://schemas.microsoft.com/office/drawing/2014/main" id="{6040EAA5-D44C-E846-BD70-D509B54AFB0B}"/>
+              </a:ext>
+            </a:extLst>
+          </p:cNvPr>
+          <p:cNvPicPr>
+            <a:picLocks noChangeAspect="1"/>
+          </p:cNvPicPr>
+          <p:nvPr/>
+        </p:nvPicPr>
+        <p:blipFill>
+          <a:blip r:embed="rId5"/>
+          <a:stretch>
+            <a:fillRect/>
+          </a:stretch>
+        </p:blipFill>
+        <p:spPr>
+          <a:xfrm>
+            <a:off x="2302564" y="3004011"/>
+            <a:ext cx="4940300" cy="558800"/>
+          </a:xfrm>
+          <a:prstGeom prst="rect">
+            <a:avLst/>
+          </a:prstGeom>
+        </p:spPr>
+      </p:pic>
+      <p:sp>
+        <p:nvSpPr>
+          <p:cNvPr id="14" name="Rounded Rectangle 13">
+            <a:extLst>
+              <a:ext uri="{FF2B5EF4-FFF2-40B4-BE49-F238E27FC236}">
+                <a16:creationId xmlns:a16="http://schemas.microsoft.com/office/drawing/2014/main" id="{E80CC82E-0787-794A-A7D7-96869B043F97}"/>
+              </a:ext>
+            </a:extLst>
+          </p:cNvPr>
+          <p:cNvSpPr/>
+          <p:nvPr/>
+        </p:nvSpPr>
+        <p:spPr>
+          <a:xfrm>
+            <a:off x="4059379" y="1707725"/>
+            <a:ext cx="1116778" cy="914400"/>
+          </a:xfrm>
+          <a:prstGeom prst="roundRect">
+            <a:avLst/>
+          </a:prstGeom>
+        </p:spPr>
+        <p:style>
+          <a:lnRef idx="1">
+            <a:schemeClr val="accent1"/>
+          </a:lnRef>
+          <a:fillRef idx="3">
+            <a:schemeClr val="accent1"/>
+          </a:fillRef>
+          <a:effectRef idx="2">
+            <a:schemeClr val="accent1"/>
+          </a:effectRef>
+          <a:fontRef idx="minor">
+            <a:schemeClr val="lt1"/>
+          </a:fontRef>
+        </p:style>
+        <p:txBody>
+          <a:bodyPr rtlCol="0" anchor="ctr"/>
+          <a:lstStyle/>
+          <a:p>
+            <a:pPr algn="ctr"/>
+            <a:endParaRPr lang="en-US" sz="4000" b="1" dirty="0">
+              <a:latin typeface="Times New Roman" panose="02020603050405020304" pitchFamily="18" charset="0"/>
+              <a:cs typeface="Times New Roman" panose="02020603050405020304" pitchFamily="18" charset="0"/>
+            </a:endParaRPr>
+          </a:p>
+          <a:p>
+            <a:pPr algn="ctr"/>
+            <a:r>
+              <a:rPr lang="en-US" sz="4000" b="1" dirty="0">
+                <a:latin typeface="Times New Roman" panose="02020603050405020304" pitchFamily="18" charset="0"/>
+                <a:cs typeface="Times New Roman" panose="02020603050405020304" pitchFamily="18" charset="0"/>
+              </a:rPr>
+              <a:t>W	</a:t>
+            </a:r>
+          </a:p>
+        </p:txBody>
+      </p:sp>
+      <p:cxnSp>
+        <p:nvCxnSpPr>
+          <p:cNvPr id="15" name="Straight Arrow Connector 14">
+            <a:extLst>
+              <a:ext uri="{FF2B5EF4-FFF2-40B4-BE49-F238E27FC236}">
+                <a16:creationId xmlns:a16="http://schemas.microsoft.com/office/drawing/2014/main" id="{35980603-14F1-7B46-BA64-2204B9C158B5}"/>
+              </a:ext>
+            </a:extLst>
+          </p:cNvPr>
+          <p:cNvCxnSpPr>
+            <a:cxnSpLocks/>
+          </p:cNvCxnSpPr>
+          <p:nvPr/>
+        </p:nvCxnSpPr>
+        <p:spPr>
+          <a:xfrm flipH="1">
+            <a:off x="5176157" y="2202367"/>
+            <a:ext cx="850410" cy="0"/>
+          </a:xfrm>
+          <a:prstGeom prst="straightConnector1">
+            <a:avLst/>
+          </a:prstGeom>
+          <a:ln>
+            <a:tailEnd type="triangle"/>
+          </a:ln>
+        </p:spPr>
+        <p:style>
+          <a:lnRef idx="2">
+            <a:schemeClr val="accent1"/>
+          </a:lnRef>
+          <a:fillRef idx="0">
+            <a:schemeClr val="accent1"/>
+          </a:fillRef>
+          <a:effectRef idx="1">
+            <a:schemeClr val="accent1"/>
+          </a:effectRef>
+          <a:fontRef idx="minor">
+            <a:schemeClr val="tx1"/>
+          </a:fontRef>
+        </p:style>
+      </p:cxnSp>
+      <p:cxnSp>
+        <p:nvCxnSpPr>
+          <p:cNvPr id="16" name="Straight Arrow Connector 15">
+            <a:extLst>
+              <a:ext uri="{FF2B5EF4-FFF2-40B4-BE49-F238E27FC236}">
+                <a16:creationId xmlns:a16="http://schemas.microsoft.com/office/drawing/2014/main" id="{3C89BBF5-16C3-9F4C-94C9-2FD9E1FE0A65}"/>
+              </a:ext>
+            </a:extLst>
+          </p:cNvPr>
+          <p:cNvCxnSpPr>
+            <a:cxnSpLocks/>
+          </p:cNvCxnSpPr>
+          <p:nvPr/>
+        </p:nvCxnSpPr>
+        <p:spPr>
+          <a:xfrm flipH="1">
+            <a:off x="3190568" y="2202367"/>
+            <a:ext cx="868811" cy="0"/>
+          </a:xfrm>
+          <a:prstGeom prst="straightConnector1">
+            <a:avLst/>
+          </a:prstGeom>
+          <a:ln>
+            <a:tailEnd type="triangle"/>
+          </a:ln>
+        </p:spPr>
+        <p:style>
+          <a:lnRef idx="2">
+            <a:schemeClr val="accent1"/>
+          </a:lnRef>
+          <a:fillRef idx="0">
+            <a:schemeClr val="accent1"/>
+          </a:fillRef>
+          <a:effectRef idx="1">
+            <a:schemeClr val="accent1"/>
+          </a:effectRef>
+          <a:fontRef idx="minor">
+            <a:schemeClr val="tx1"/>
+          </a:fontRef>
+        </p:style>
+      </p:cxnSp>
+      <p:sp>
+        <p:nvSpPr>
+          <p:cNvPr id="17" name="Rectangle 16">
+            <a:extLst>
+              <a:ext uri="{FF2B5EF4-FFF2-40B4-BE49-F238E27FC236}">
+                <a16:creationId xmlns:a16="http://schemas.microsoft.com/office/drawing/2014/main" id="{1CC415DA-FBE0-E440-AB51-03747C02D8E3}"/>
+              </a:ext>
+            </a:extLst>
+          </p:cNvPr>
+          <p:cNvSpPr/>
+          <p:nvPr/>
+        </p:nvSpPr>
+        <p:spPr>
+          <a:xfrm>
+            <a:off x="6095285" y="1854065"/>
+            <a:ext cx="583813" cy="707886"/>
+          </a:xfrm>
+          <a:prstGeom prst="rect">
+            <a:avLst/>
+          </a:prstGeom>
+        </p:spPr>
+        <p:txBody>
+          <a:bodyPr wrap="none">
+            <a:spAutoFit/>
+          </a:bodyPr>
+          <a:lstStyle/>
+          <a:p>
+            <a:pPr algn="ctr"/>
+            <a:r>
+              <a:rPr lang="en-US" sz="4000" b="1" dirty="0">
+                <a:latin typeface="Times New Roman" panose="02020603050405020304" pitchFamily="18" charset="0"/>
+                <a:cs typeface="Times New Roman" panose="02020603050405020304" pitchFamily="18" charset="0"/>
+              </a:rPr>
+              <a:t>G</a:t>
+            </a:r>
+          </a:p>
+        </p:txBody>
+      </p:sp>
+      <p:pic>
+        <p:nvPicPr>
+          <p:cNvPr id="18" name="Picture 17">
+            <a:extLst>
+              <a:ext uri="{FF2B5EF4-FFF2-40B4-BE49-F238E27FC236}">
+                <a16:creationId xmlns:a16="http://schemas.microsoft.com/office/drawing/2014/main" id="{CFC03BA3-863F-DC4F-88CE-F25DF7C9DDAF}"/>
+              </a:ext>
+            </a:extLst>
+          </p:cNvPr>
+          <p:cNvPicPr>
+            <a:picLocks noChangeAspect="1"/>
+          </p:cNvPicPr>
+          <p:nvPr/>
+        </p:nvPicPr>
+        <p:blipFill>
+          <a:blip r:embed="rId6"/>
+          <a:stretch>
+            <a:fillRect/>
+          </a:stretch>
+        </p:blipFill>
+        <p:spPr>
+          <a:xfrm>
+            <a:off x="2728045" y="1887338"/>
+            <a:ext cx="350000" cy="504000"/>
+          </a:xfrm>
+          <a:prstGeom prst="rect">
+            <a:avLst/>
+          </a:prstGeom>
+        </p:spPr>
+      </p:pic>
+      <p:sp>
+        <p:nvSpPr>
+          <p:cNvPr id="19" name="TextBox 18">
+            <a:extLst>
+              <a:ext uri="{FF2B5EF4-FFF2-40B4-BE49-F238E27FC236}">
+                <a16:creationId xmlns:a16="http://schemas.microsoft.com/office/drawing/2014/main" id="{352A1067-1874-C049-9404-E3F4EFDF912F}"/>
+              </a:ext>
+            </a:extLst>
+          </p:cNvPr>
+          <p:cNvSpPr txBox="1"/>
+          <p:nvPr/>
+        </p:nvSpPr>
+        <p:spPr>
+          <a:xfrm>
+            <a:off x="6905504" y="1912067"/>
+            <a:ext cx="1259768" cy="523220"/>
+          </a:xfrm>
+          <a:prstGeom prst="rect">
+            <a:avLst/>
+          </a:prstGeom>
+          <a:noFill/>
+        </p:spPr>
+        <p:txBody>
+          <a:bodyPr wrap="none" rtlCol="0">
+            <a:spAutoFit/>
+          </a:bodyPr>
+          <a:lstStyle/>
+          <a:p>
+            <a:r>
+              <a:rPr lang="es-ES_tradnl" sz="1400" dirty="0"/>
+              <a:t>IMAGEN </a:t>
+            </a:r>
+          </a:p>
+          <a:p>
+            <a:pPr algn="ctr"/>
+            <a:r>
+              <a:rPr lang="es-ES_tradnl" sz="1400" dirty="0"/>
+              <a:t>DEGRADADA</a:t>
+            </a:r>
+          </a:p>
+        </p:txBody>
+      </p:sp>
+      <p:sp>
+        <p:nvSpPr>
+          <p:cNvPr id="20" name="TextBox 19">
+            <a:extLst>
+              <a:ext uri="{FF2B5EF4-FFF2-40B4-BE49-F238E27FC236}">
+                <a16:creationId xmlns:a16="http://schemas.microsoft.com/office/drawing/2014/main" id="{650F4673-1D21-734C-B95E-9B93B31DAFEB}"/>
+              </a:ext>
+            </a:extLst>
+          </p:cNvPr>
+          <p:cNvSpPr txBox="1"/>
+          <p:nvPr/>
+        </p:nvSpPr>
+        <p:spPr>
+          <a:xfrm>
+            <a:off x="1284951" y="1954714"/>
+            <a:ext cx="1154482" cy="523220"/>
+          </a:xfrm>
+          <a:prstGeom prst="rect">
+            <a:avLst/>
+          </a:prstGeom>
+          <a:noFill/>
+        </p:spPr>
+        <p:txBody>
+          <a:bodyPr wrap="none" rtlCol="0">
+            <a:spAutoFit/>
+          </a:bodyPr>
+          <a:lstStyle/>
+          <a:p>
+            <a:pPr algn="r"/>
+            <a:r>
+              <a:rPr lang="es-ES_tradnl" sz="1400" dirty="0"/>
+              <a:t>IMAGEN </a:t>
+            </a:r>
+          </a:p>
+          <a:p>
+            <a:pPr algn="r"/>
+            <a:r>
+              <a:rPr lang="es-ES_tradnl" sz="1400" dirty="0"/>
+              <a:t>RESTAURADA</a:t>
             </a:r>
           </a:p>
         </p:txBody>

--- a/clases/Cap06_Restauracion/presentations/IMG06_Deconvolution.pptx
+++ b/clases/Cap06_Restauracion/presentations/IMG06_Deconvolution.pptx
@@ -228,7 +228,7 @@
           <a:p>
             <a:fld id="{678C770B-B503-C841-A55C-00AF9EBD4322}" type="datetimeFigureOut">
               <a:rPr lang="en-US" smtClean="0"/>
-              <a:t>11/4/21</a:t>
+              <a:t>10/20/22</a:t>
             </a:fld>
             <a:endParaRPr lang="en-US"/>
           </a:p>
@@ -854,7 +854,7 @@
           <a:p>
             <a:fld id="{2D6C505C-4733-2D4D-B465-C1E86A553F67}" type="datetimeFigureOut">
               <a:rPr lang="en-US" smtClean="0"/>
-              <a:t>11/4/21</a:t>
+              <a:t>10/20/22</a:t>
             </a:fld>
             <a:endParaRPr lang="en-US"/>
           </a:p>
@@ -1024,7 +1024,7 @@
           <a:p>
             <a:fld id="{2D6C505C-4733-2D4D-B465-C1E86A553F67}" type="datetimeFigureOut">
               <a:rPr lang="en-US" smtClean="0"/>
-              <a:t>11/4/21</a:t>
+              <a:t>10/20/22</a:t>
             </a:fld>
             <a:endParaRPr lang="en-US"/>
           </a:p>
@@ -1204,7 +1204,7 @@
           <a:p>
             <a:fld id="{2D6C505C-4733-2D4D-B465-C1E86A553F67}" type="datetimeFigureOut">
               <a:rPr lang="en-US" smtClean="0"/>
-              <a:t>11/4/21</a:t>
+              <a:t>10/20/22</a:t>
             </a:fld>
             <a:endParaRPr lang="en-US"/>
           </a:p>
@@ -1374,7 +1374,7 @@
           <a:p>
             <a:fld id="{2D6C505C-4733-2D4D-B465-C1E86A553F67}" type="datetimeFigureOut">
               <a:rPr lang="en-US" smtClean="0"/>
-              <a:t>11/4/21</a:t>
+              <a:t>10/20/22</a:t>
             </a:fld>
             <a:endParaRPr lang="en-US"/>
           </a:p>
@@ -1620,7 +1620,7 @@
           <a:p>
             <a:fld id="{2D6C505C-4733-2D4D-B465-C1E86A553F67}" type="datetimeFigureOut">
               <a:rPr lang="en-US" smtClean="0"/>
-              <a:t>11/4/21</a:t>
+              <a:t>10/20/22</a:t>
             </a:fld>
             <a:endParaRPr lang="en-US"/>
           </a:p>
@@ -1908,7 +1908,7 @@
           <a:p>
             <a:fld id="{2D6C505C-4733-2D4D-B465-C1E86A553F67}" type="datetimeFigureOut">
               <a:rPr lang="en-US" smtClean="0"/>
-              <a:t>11/4/21</a:t>
+              <a:t>10/20/22</a:t>
             </a:fld>
             <a:endParaRPr lang="en-US"/>
           </a:p>
@@ -2330,7 +2330,7 @@
           <a:p>
             <a:fld id="{2D6C505C-4733-2D4D-B465-C1E86A553F67}" type="datetimeFigureOut">
               <a:rPr lang="en-US" smtClean="0"/>
-              <a:t>11/4/21</a:t>
+              <a:t>10/20/22</a:t>
             </a:fld>
             <a:endParaRPr lang="en-US"/>
           </a:p>
@@ -2448,7 +2448,7 @@
           <a:p>
             <a:fld id="{2D6C505C-4733-2D4D-B465-C1E86A553F67}" type="datetimeFigureOut">
               <a:rPr lang="en-US" smtClean="0"/>
-              <a:t>11/4/21</a:t>
+              <a:t>10/20/22</a:t>
             </a:fld>
             <a:endParaRPr lang="en-US"/>
           </a:p>
@@ -2543,7 +2543,7 @@
           <a:p>
             <a:fld id="{2D6C505C-4733-2D4D-B465-C1E86A553F67}" type="datetimeFigureOut">
               <a:rPr lang="en-US" smtClean="0"/>
-              <a:t>11/4/21</a:t>
+              <a:t>10/20/22</a:t>
             </a:fld>
             <a:endParaRPr lang="en-US"/>
           </a:p>
@@ -2820,7 +2820,7 @@
           <a:p>
             <a:fld id="{2D6C505C-4733-2D4D-B465-C1E86A553F67}" type="datetimeFigureOut">
               <a:rPr lang="en-US" smtClean="0"/>
-              <a:t>11/4/21</a:t>
+              <a:t>10/20/22</a:t>
             </a:fld>
             <a:endParaRPr lang="en-US"/>
           </a:p>
@@ -3073,7 +3073,7 @@
           <a:p>
             <a:fld id="{2D6C505C-4733-2D4D-B465-C1E86A553F67}" type="datetimeFigureOut">
               <a:rPr lang="en-US" smtClean="0"/>
-              <a:t>11/4/21</a:t>
+              <a:t>10/20/22</a:t>
             </a:fld>
             <a:endParaRPr lang="en-US"/>
           </a:p>
@@ -3286,7 +3286,7 @@
           <a:p>
             <a:fld id="{2D6C505C-4733-2D4D-B465-C1E86A553F67}" type="datetimeFigureOut">
               <a:rPr lang="en-US" smtClean="0"/>
-              <a:t>11/4/21</a:t>
+              <a:t>10/20/22</a:t>
             </a:fld>
             <a:endParaRPr lang="en-US"/>
           </a:p>
@@ -4011,6 +4011,17 @@
           <a:p>
             <a:pPr algn="ctr"/>
             <a:r>
+              <a:rPr lang="es-CL" sz="1200">
+                <a:solidFill>
+                  <a:schemeClr val="bg1">
+                    <a:lumMod val="75000"/>
+                  </a:schemeClr>
+                </a:solidFill>
+                <a:latin typeface="Trebuchet MS" pitchFamily="34" charset="0"/>
+              </a:rPr>
+              <a:t>Departamento </a:t>
+            </a:r>
+            <a:r>
               <a:rPr lang="es-CL" sz="1200" dirty="0">
                 <a:solidFill>
                   <a:schemeClr val="bg1">
@@ -4019,7 +4030,7 @@
                 </a:solidFill>
                 <a:latin typeface="Trebuchet MS" pitchFamily="34" charset="0"/>
               </a:rPr>
-              <a:t>Departmento de Ciencia de la Computación</a:t>
+              <a:t>de Ciencia de la Computación</a:t>
             </a:r>
           </a:p>
           <a:p>
@@ -4047,27 +4058,8 @@
                 </a:solidFill>
                 <a:latin typeface="Trebuchet MS" pitchFamily="34" charset="0"/>
               </a:rPr>
-              <a:t>Universidad Católica </a:t>
-            </a:r>
-            <a:r>
-              <a:rPr lang="es-CL" sz="1200">
-                <a:solidFill>
-                  <a:schemeClr val="bg1">
-                    <a:lumMod val="75000"/>
-                  </a:schemeClr>
-                </a:solidFill>
-                <a:latin typeface="Trebuchet MS" pitchFamily="34" charset="0"/>
-              </a:rPr>
-              <a:t>de Chile</a:t>
-            </a:r>
-            <a:endParaRPr lang="es-CL" sz="1200" dirty="0">
-              <a:solidFill>
-                <a:schemeClr val="bg1">
-                  <a:lumMod val="75000"/>
-                </a:schemeClr>
-              </a:solidFill>
-              <a:latin typeface="Trebuchet MS" pitchFamily="34" charset="0"/>
-            </a:endParaRPr>
+              <a:t>Universidad Católica de Chile</a:t>
+            </a:r>
           </a:p>
         </p:txBody>
       </p:sp>
@@ -5844,6 +5836,50 @@
           </p:spPr>
         </p:pic>
       </p:grpSp>
+      <p:sp>
+        <p:nvSpPr>
+          <p:cNvPr id="12" name="TextBox 11">
+            <a:extLst>
+              <a:ext uri="{FF2B5EF4-FFF2-40B4-BE49-F238E27FC236}">
+                <a16:creationId xmlns:a16="http://schemas.microsoft.com/office/drawing/2014/main" id="{0A9C44B4-9764-695E-FAB4-030ACA2861BD}"/>
+              </a:ext>
+            </a:extLst>
+          </p:cNvPr>
+          <p:cNvSpPr txBox="1"/>
+          <p:nvPr/>
+        </p:nvSpPr>
+        <p:spPr>
+          <a:xfrm>
+            <a:off x="5252691" y="1388784"/>
+            <a:ext cx="1865098" cy="369332"/>
+          </a:xfrm>
+          <a:prstGeom prst="rect">
+            <a:avLst/>
+          </a:prstGeom>
+          <a:noFill/>
+        </p:spPr>
+        <p:txBody>
+          <a:bodyPr wrap="square">
+            <a:spAutoFit/>
+          </a:bodyPr>
+          <a:lstStyle/>
+          <a:p>
+            <a:r>
+              <a:rPr lang="es-ES_tradnl" sz="1800" dirty="0">
+                <a:solidFill>
+                  <a:srgbClr val="0070C0"/>
+                </a:solidFill>
+              </a:rPr>
+              <a:t>(ruido)</a:t>
+            </a:r>
+            <a:endParaRPr lang="en-CL" dirty="0">
+              <a:solidFill>
+                <a:srgbClr val="0070C0"/>
+              </a:solidFill>
+            </a:endParaRPr>
+          </a:p>
+        </p:txBody>
+      </p:sp>
     </p:spTree>
     <p:extLst>
       <p:ext uri="{BB962C8B-B14F-4D97-AF65-F5344CB8AC3E}">
@@ -8186,7 +8222,7 @@
         <p:spPr>
           <a:xfrm>
             <a:off x="2093928" y="5329993"/>
-            <a:ext cx="5279843" cy="1077218"/>
+            <a:ext cx="5499454" cy="1077218"/>
           </a:xfrm>
           <a:prstGeom prst="rect">
             <a:avLst/>
@@ -8297,7 +8333,7 @@
                   </a:schemeClr>
                 </a:solidFill>
               </a:rPr>
-              <a:t>amplicación</a:t>
+              <a:t>amplificación</a:t>
             </a:r>
             <a:r>
               <a:rPr lang="en-US" sz="3200" dirty="0">
@@ -8956,7 +8992,7 @@
         <p:spPr>
           <a:xfrm>
             <a:off x="2093928" y="5329993"/>
-            <a:ext cx="5279843" cy="1077218"/>
+            <a:ext cx="5499454" cy="1077218"/>
           </a:xfrm>
           <a:prstGeom prst="rect">
             <a:avLst/>
@@ -9067,7 +9103,7 @@
                   </a:schemeClr>
                 </a:solidFill>
               </a:rPr>
-              <a:t>amplicación</a:t>
+              <a:t>amplificación</a:t>
             </a:r>
             <a:r>
               <a:rPr lang="en-US" sz="3200" dirty="0">
@@ -13093,222 +13129,297 @@
           </a:prstGeom>
         </p:spPr>
       </p:pic>
-      <p:pic>
-        <p:nvPicPr>
-          <p:cNvPr id="18" name="Picture 17">
+      <p:grpSp>
+        <p:nvGrpSpPr>
+          <p:cNvPr id="2" name="Group 1">
             <a:extLst>
               <a:ext uri="{FF2B5EF4-FFF2-40B4-BE49-F238E27FC236}">
-                <a16:creationId xmlns:a16="http://schemas.microsoft.com/office/drawing/2014/main" id="{42FB98DB-A957-B243-AE25-BB0DCAECCA4F}"/>
+                <a16:creationId xmlns:a16="http://schemas.microsoft.com/office/drawing/2014/main" id="{5565E2E8-3FD6-33FA-5E32-54991E8C28F3}"/>
               </a:ext>
             </a:extLst>
           </p:cNvPr>
-          <p:cNvPicPr>
-            <a:picLocks noChangeAspect="1"/>
-          </p:cNvPicPr>
+          <p:cNvGrpSpPr/>
           <p:nvPr/>
-        </p:nvPicPr>
-        <p:blipFill>
-          <a:blip r:embed="rId3"/>
-          <a:stretch>
-            <a:fillRect/>
-          </a:stretch>
-        </p:blipFill>
-        <p:spPr>
-          <a:xfrm>
-            <a:off x="1504950" y="3361678"/>
-            <a:ext cx="6134100" cy="1702148"/>
+        </p:nvGrpSpPr>
+        <p:grpSpPr>
+          <a:xfrm>
+            <a:off x="1504950" y="3019300"/>
+            <a:ext cx="7305917" cy="2044526"/>
+            <a:chOff x="1504950" y="3019300"/>
+            <a:chExt cx="7305917" cy="2044526"/>
+          </a:xfrm>
+        </p:grpSpPr>
+        <p:pic>
+          <p:nvPicPr>
+            <p:cNvPr id="18" name="Picture 17">
+              <a:extLst>
+                <a:ext uri="{FF2B5EF4-FFF2-40B4-BE49-F238E27FC236}">
+                  <a16:creationId xmlns:a16="http://schemas.microsoft.com/office/drawing/2014/main" id="{42FB98DB-A957-B243-AE25-BB0DCAECCA4F}"/>
+                </a:ext>
+              </a:extLst>
+            </p:cNvPr>
+            <p:cNvPicPr>
+              <a:picLocks noChangeAspect="1"/>
+            </p:cNvPicPr>
+            <p:nvPr/>
+          </p:nvPicPr>
+          <p:blipFill>
+            <a:blip r:embed="rId3"/>
+            <a:stretch>
+              <a:fillRect/>
+            </a:stretch>
+          </p:blipFill>
+          <p:spPr>
+            <a:xfrm>
+              <a:off x="1504950" y="3361678"/>
+              <a:ext cx="6134100" cy="1702148"/>
+            </a:xfrm>
+            <a:prstGeom prst="rect">
+              <a:avLst/>
+            </a:prstGeom>
+          </p:spPr>
+        </p:pic>
+        <p:cxnSp>
+          <p:nvCxnSpPr>
+            <p:cNvPr id="12" name="Straight Arrow Connector 11">
+              <a:extLst>
+                <a:ext uri="{FF2B5EF4-FFF2-40B4-BE49-F238E27FC236}">
+                  <a16:creationId xmlns:a16="http://schemas.microsoft.com/office/drawing/2014/main" id="{8171E450-2E56-4A47-BDD1-7732DF625D53}"/>
+                </a:ext>
+              </a:extLst>
+            </p:cNvPr>
+            <p:cNvCxnSpPr>
+              <a:cxnSpLocks/>
+            </p:cNvCxnSpPr>
+            <p:nvPr/>
+          </p:nvCxnSpPr>
+          <p:spPr>
+            <a:xfrm flipV="1">
+              <a:off x="4497569" y="3019300"/>
+              <a:ext cx="0" cy="2044526"/>
+            </a:xfrm>
+            <a:prstGeom prst="straightConnector1">
+              <a:avLst/>
+            </a:prstGeom>
+            <a:ln w="15875">
+              <a:solidFill>
+                <a:schemeClr val="tx1">
+                  <a:lumMod val="50000"/>
+                  <a:lumOff val="50000"/>
+                </a:schemeClr>
+              </a:solidFill>
+              <a:tailEnd type="triangle"/>
+            </a:ln>
+            <a:effectLst/>
+          </p:spPr>
+          <p:style>
+            <a:lnRef idx="2">
+              <a:schemeClr val="accent1"/>
+            </a:lnRef>
+            <a:fillRef idx="0">
+              <a:schemeClr val="accent1"/>
+            </a:fillRef>
+            <a:effectRef idx="1">
+              <a:schemeClr val="accent1"/>
+            </a:effectRef>
+            <a:fontRef idx="minor">
+              <a:schemeClr val="tx1"/>
+            </a:fontRef>
+          </p:style>
+        </p:cxnSp>
+        <p:cxnSp>
+          <p:nvCxnSpPr>
+            <p:cNvPr id="22" name="Straight Arrow Connector 21">
+              <a:extLst>
+                <a:ext uri="{FF2B5EF4-FFF2-40B4-BE49-F238E27FC236}">
+                  <a16:creationId xmlns:a16="http://schemas.microsoft.com/office/drawing/2014/main" id="{54190181-1881-0C4A-B4B8-EA25ACF44FFB}"/>
+                </a:ext>
+              </a:extLst>
+            </p:cNvPr>
+            <p:cNvCxnSpPr>
+              <a:cxnSpLocks/>
+            </p:cNvCxnSpPr>
+            <p:nvPr/>
+          </p:nvCxnSpPr>
+          <p:spPr>
+            <a:xfrm>
+              <a:off x="1504950" y="4936038"/>
+              <a:ext cx="6012000" cy="0"/>
+            </a:xfrm>
+            <a:prstGeom prst="straightConnector1">
+              <a:avLst/>
+            </a:prstGeom>
+            <a:ln w="15875">
+              <a:solidFill>
+                <a:schemeClr val="tx1">
+                  <a:lumMod val="50000"/>
+                  <a:lumOff val="50000"/>
+                </a:schemeClr>
+              </a:solidFill>
+              <a:tailEnd type="triangle"/>
+            </a:ln>
+            <a:effectLst/>
+          </p:spPr>
+          <p:style>
+            <a:lnRef idx="2">
+              <a:schemeClr val="accent1"/>
+            </a:lnRef>
+            <a:fillRef idx="0">
+              <a:schemeClr val="accent1"/>
+            </a:fillRef>
+            <a:effectRef idx="1">
+              <a:schemeClr val="accent1"/>
+            </a:effectRef>
+            <a:fontRef idx="minor">
+              <a:schemeClr val="tx1"/>
+            </a:fontRef>
+          </p:style>
+        </p:cxnSp>
+        <p:pic>
+          <p:nvPicPr>
+            <p:cNvPr id="27" name="Picture 26">
+              <a:extLst>
+                <a:ext uri="{FF2B5EF4-FFF2-40B4-BE49-F238E27FC236}">
+                  <a16:creationId xmlns:a16="http://schemas.microsoft.com/office/drawing/2014/main" id="{CAC00A92-279A-7F44-9CE5-494DDB30762D}"/>
+                </a:ext>
+              </a:extLst>
+            </p:cNvPr>
+            <p:cNvPicPr>
+              <a:picLocks noChangeAspect="1"/>
+            </p:cNvPicPr>
+            <p:nvPr/>
+          </p:nvPicPr>
+          <p:blipFill>
+            <a:blip r:embed="rId4"/>
+            <a:stretch>
+              <a:fillRect/>
+            </a:stretch>
+          </p:blipFill>
+          <p:spPr>
+            <a:xfrm>
+              <a:off x="7542346" y="4885598"/>
+              <a:ext cx="114300" cy="114300"/>
+            </a:xfrm>
+            <a:prstGeom prst="rect">
+              <a:avLst/>
+            </a:prstGeom>
+          </p:spPr>
+        </p:pic>
+        <p:pic>
+          <p:nvPicPr>
+            <p:cNvPr id="28" name="Picture 27">
+              <a:extLst>
+                <a:ext uri="{FF2B5EF4-FFF2-40B4-BE49-F238E27FC236}">
+                  <a16:creationId xmlns:a16="http://schemas.microsoft.com/office/drawing/2014/main" id="{7EB0915C-3690-8B49-B5CF-583BD2D34ECB}"/>
+                </a:ext>
+              </a:extLst>
+            </p:cNvPr>
+            <p:cNvPicPr>
+              <a:picLocks noChangeAspect="1"/>
+            </p:cNvPicPr>
+            <p:nvPr/>
+          </p:nvPicPr>
+          <p:blipFill>
+            <a:blip r:embed="rId5"/>
+            <a:stretch>
+              <a:fillRect/>
+            </a:stretch>
+          </p:blipFill>
+          <p:spPr>
+            <a:xfrm>
+              <a:off x="4646432" y="3019300"/>
+              <a:ext cx="571500" cy="241300"/>
+            </a:xfrm>
+            <a:prstGeom prst="rect">
+              <a:avLst/>
+            </a:prstGeom>
+          </p:spPr>
+        </p:pic>
+        <p:pic>
+          <p:nvPicPr>
+            <p:cNvPr id="32" name="Picture 31">
+              <a:extLst>
+                <a:ext uri="{FF2B5EF4-FFF2-40B4-BE49-F238E27FC236}">
+                  <a16:creationId xmlns:a16="http://schemas.microsoft.com/office/drawing/2014/main" id="{3C725FFC-392F-AD4E-8205-8EDC4F35C883}"/>
+                </a:ext>
+              </a:extLst>
+            </p:cNvPr>
+            <p:cNvPicPr>
+              <a:picLocks noChangeAspect="1"/>
+            </p:cNvPicPr>
+            <p:nvPr/>
+          </p:nvPicPr>
+          <p:blipFill>
+            <a:blip r:embed="rId6"/>
+            <a:stretch>
+              <a:fillRect/>
+            </a:stretch>
+          </p:blipFill>
+          <p:spPr>
+            <a:xfrm>
+              <a:off x="7426567" y="3282950"/>
+              <a:ext cx="1384300" cy="292100"/>
+            </a:xfrm>
+            <a:prstGeom prst="rect">
+              <a:avLst/>
+            </a:prstGeom>
+          </p:spPr>
+        </p:pic>
+      </p:grpSp>
+      <p:sp>
+        <p:nvSpPr>
+          <p:cNvPr id="5" name="TextBox 4">
+            <a:extLst>
+              <a:ext uri="{FF2B5EF4-FFF2-40B4-BE49-F238E27FC236}">
+                <a16:creationId xmlns:a16="http://schemas.microsoft.com/office/drawing/2014/main" id="{86435642-1B2A-C4BD-5EE1-80D1DCD869D9}"/>
+              </a:ext>
+            </a:extLst>
+          </p:cNvPr>
+          <p:cNvSpPr txBox="1"/>
+          <p:nvPr/>
+        </p:nvSpPr>
+        <p:spPr>
+          <a:xfrm>
+            <a:off x="97516" y="3172143"/>
+            <a:ext cx="1865098" cy="646331"/>
           </a:xfrm>
           <a:prstGeom prst="rect">
             <a:avLst/>
           </a:prstGeom>
-        </p:spPr>
-      </p:pic>
-      <p:cxnSp>
-        <p:nvCxnSpPr>
-          <p:cNvPr id="12" name="Straight Arrow Connector 11">
-            <a:extLst>
-              <a:ext uri="{FF2B5EF4-FFF2-40B4-BE49-F238E27FC236}">
-                <a16:creationId xmlns:a16="http://schemas.microsoft.com/office/drawing/2014/main" id="{8171E450-2E56-4A47-BDD1-7732DF625D53}"/>
-              </a:ext>
-            </a:extLst>
-          </p:cNvPr>
-          <p:cNvCxnSpPr>
-            <a:cxnSpLocks/>
-          </p:cNvCxnSpPr>
-          <p:nvPr/>
-        </p:nvCxnSpPr>
-        <p:spPr>
-          <a:xfrm flipV="1">
-            <a:off x="4497569" y="3019300"/>
-            <a:ext cx="0" cy="2044526"/>
-          </a:xfrm>
-          <a:prstGeom prst="straightConnector1">
-            <a:avLst/>
-          </a:prstGeom>
-          <a:ln w="15875">
-            <a:solidFill>
-              <a:schemeClr val="tx1">
-                <a:lumMod val="50000"/>
-                <a:lumOff val="50000"/>
-              </a:schemeClr>
-            </a:solidFill>
-            <a:tailEnd type="triangle"/>
-          </a:ln>
-          <a:effectLst/>
-        </p:spPr>
-        <p:style>
-          <a:lnRef idx="2">
-            <a:schemeClr val="accent1"/>
-          </a:lnRef>
-          <a:fillRef idx="0">
-            <a:schemeClr val="accent1"/>
-          </a:fillRef>
-          <a:effectRef idx="1">
-            <a:schemeClr val="accent1"/>
-          </a:effectRef>
-          <a:fontRef idx="minor">
-            <a:schemeClr val="tx1"/>
-          </a:fontRef>
-        </p:style>
-      </p:cxnSp>
-      <p:cxnSp>
-        <p:nvCxnSpPr>
-          <p:cNvPr id="22" name="Straight Arrow Connector 21">
-            <a:extLst>
-              <a:ext uri="{FF2B5EF4-FFF2-40B4-BE49-F238E27FC236}">
-                <a16:creationId xmlns:a16="http://schemas.microsoft.com/office/drawing/2014/main" id="{54190181-1881-0C4A-B4B8-EA25ACF44FFB}"/>
-              </a:ext>
-            </a:extLst>
-          </p:cNvPr>
-          <p:cNvCxnSpPr>
-            <a:cxnSpLocks/>
-          </p:cNvCxnSpPr>
-          <p:nvPr/>
-        </p:nvCxnSpPr>
-        <p:spPr>
-          <a:xfrm>
-            <a:off x="1504950" y="4936038"/>
-            <a:ext cx="6012000" cy="0"/>
-          </a:xfrm>
-          <a:prstGeom prst="straightConnector1">
-            <a:avLst/>
-          </a:prstGeom>
-          <a:ln w="15875">
-            <a:solidFill>
-              <a:schemeClr val="tx1">
-                <a:lumMod val="50000"/>
-                <a:lumOff val="50000"/>
-              </a:schemeClr>
-            </a:solidFill>
-            <a:tailEnd type="triangle"/>
-          </a:ln>
-          <a:effectLst/>
-        </p:spPr>
-        <p:style>
-          <a:lnRef idx="2">
-            <a:schemeClr val="accent1"/>
-          </a:lnRef>
-          <a:fillRef idx="0">
-            <a:schemeClr val="accent1"/>
-          </a:fillRef>
-          <a:effectRef idx="1">
-            <a:schemeClr val="accent1"/>
-          </a:effectRef>
-          <a:fontRef idx="minor">
-            <a:schemeClr val="tx1"/>
-          </a:fontRef>
-        </p:style>
-      </p:cxnSp>
-      <p:pic>
-        <p:nvPicPr>
-          <p:cNvPr id="27" name="Picture 26">
-            <a:extLst>
-              <a:ext uri="{FF2B5EF4-FFF2-40B4-BE49-F238E27FC236}">
-                <a16:creationId xmlns:a16="http://schemas.microsoft.com/office/drawing/2014/main" id="{CAC00A92-279A-7F44-9CE5-494DDB30762D}"/>
-              </a:ext>
-            </a:extLst>
-          </p:cNvPr>
-          <p:cNvPicPr>
-            <a:picLocks noChangeAspect="1"/>
-          </p:cNvPicPr>
-          <p:nvPr/>
-        </p:nvPicPr>
-        <p:blipFill>
-          <a:blip r:embed="rId4"/>
-          <a:stretch>
-            <a:fillRect/>
-          </a:stretch>
-        </p:blipFill>
-        <p:spPr>
-          <a:xfrm>
-            <a:off x="7542346" y="4885598"/>
-            <a:ext cx="114300" cy="114300"/>
-          </a:xfrm>
-          <a:prstGeom prst="rect">
-            <a:avLst/>
-          </a:prstGeom>
-        </p:spPr>
-      </p:pic>
-      <p:pic>
-        <p:nvPicPr>
-          <p:cNvPr id="28" name="Picture 27">
-            <a:extLst>
-              <a:ext uri="{FF2B5EF4-FFF2-40B4-BE49-F238E27FC236}">
-                <a16:creationId xmlns:a16="http://schemas.microsoft.com/office/drawing/2014/main" id="{7EB0915C-3690-8B49-B5CF-583BD2D34ECB}"/>
-              </a:ext>
-            </a:extLst>
-          </p:cNvPr>
-          <p:cNvPicPr>
-            <a:picLocks noChangeAspect="1"/>
-          </p:cNvPicPr>
-          <p:nvPr/>
-        </p:nvPicPr>
-        <p:blipFill>
-          <a:blip r:embed="rId5"/>
-          <a:stretch>
-            <a:fillRect/>
-          </a:stretch>
-        </p:blipFill>
-        <p:spPr>
-          <a:xfrm>
-            <a:off x="4646432" y="3019300"/>
-            <a:ext cx="571500" cy="241300"/>
-          </a:xfrm>
-          <a:prstGeom prst="rect">
-            <a:avLst/>
-          </a:prstGeom>
-        </p:spPr>
-      </p:pic>
-      <p:pic>
-        <p:nvPicPr>
-          <p:cNvPr id="32" name="Picture 31">
-            <a:extLst>
-              <a:ext uri="{FF2B5EF4-FFF2-40B4-BE49-F238E27FC236}">
-                <a16:creationId xmlns:a16="http://schemas.microsoft.com/office/drawing/2014/main" id="{3C725FFC-392F-AD4E-8205-8EDC4F35C883}"/>
-              </a:ext>
-            </a:extLst>
-          </p:cNvPr>
-          <p:cNvPicPr>
-            <a:picLocks noChangeAspect="1"/>
-          </p:cNvPicPr>
-          <p:nvPr/>
-        </p:nvPicPr>
-        <p:blipFill>
-          <a:blip r:embed="rId6"/>
-          <a:stretch>
-            <a:fillRect/>
-          </a:stretch>
-        </p:blipFill>
-        <p:spPr>
-          <a:xfrm>
-            <a:off x="7426567" y="3282950"/>
-            <a:ext cx="1384300" cy="292100"/>
-          </a:xfrm>
-          <a:prstGeom prst="rect">
-            <a:avLst/>
-          </a:prstGeom>
-        </p:spPr>
-      </p:pic>
+          <a:noFill/>
+        </p:spPr>
+        <p:txBody>
+          <a:bodyPr wrap="square">
+            <a:spAutoFit/>
+          </a:bodyPr>
+          <a:lstStyle/>
+          <a:p>
+            <a:r>
+              <a:rPr lang="es-ES_tradnl" sz="1800" dirty="0">
+                <a:solidFill>
+                  <a:schemeClr val="accent6"/>
+                </a:solidFill>
+              </a:rPr>
+              <a:t>Filtro </a:t>
+            </a:r>
+          </a:p>
+          <a:p>
+            <a:r>
+              <a:rPr lang="es-ES_tradnl" sz="1800" dirty="0">
+                <a:solidFill>
+                  <a:schemeClr val="accent6"/>
+                </a:solidFill>
+              </a:rPr>
+              <a:t>Promedio:</a:t>
+            </a:r>
+            <a:endParaRPr lang="en-CL" dirty="0">
+              <a:solidFill>
+                <a:schemeClr val="accent6"/>
+              </a:solidFill>
+            </a:endParaRPr>
+          </a:p>
+        </p:txBody>
+      </p:sp>
     </p:spTree>
     <p:extLst>
       <p:ext uri="{BB962C8B-B14F-4D97-AF65-F5344CB8AC3E}">
@@ -13319,6 +13430,111 @@
   <p:clrMapOvr>
     <a:masterClrMapping/>
   </p:clrMapOvr>
+  <p:timing>
+    <p:tnLst>
+      <p:par>
+        <p:cTn id="1" dur="indefinite" restart="never" nodeType="tmRoot">
+          <p:childTnLst>
+            <p:seq concurrent="1" nextAc="seek">
+              <p:cTn id="2" dur="indefinite" nodeType="mainSeq">
+                <p:childTnLst>
+                  <p:par>
+                    <p:cTn id="3" fill="hold">
+                      <p:stCondLst>
+                        <p:cond delay="indefinite"/>
+                      </p:stCondLst>
+                      <p:childTnLst>
+                        <p:par>
+                          <p:cTn id="4" fill="hold">
+                            <p:stCondLst>
+                              <p:cond delay="0"/>
+                            </p:stCondLst>
+                            <p:childTnLst>
+                              <p:par>
+                                <p:cTn id="5" presetID="1" presetClass="entr" presetSubtype="0" fill="hold" nodeType="clickEffect">
+                                  <p:stCondLst>
+                                    <p:cond delay="0"/>
+                                  </p:stCondLst>
+                                  <p:childTnLst>
+                                    <p:set>
+                                      <p:cBhvr>
+                                        <p:cTn id="6" dur="1" fill="hold">
+                                          <p:stCondLst>
+                                            <p:cond delay="0"/>
+                                          </p:stCondLst>
+                                        </p:cTn>
+                                        <p:tgtEl>
+                                          <p:spTgt spid="2"/>
+                                        </p:tgtEl>
+                                        <p:attrNameLst>
+                                          <p:attrName>style.visibility</p:attrName>
+                                        </p:attrNameLst>
+                                      </p:cBhvr>
+                                      <p:to>
+                                        <p:strVal val="visible"/>
+                                      </p:to>
+                                    </p:set>
+                                  </p:childTnLst>
+                                </p:cTn>
+                              </p:par>
+                              <p:par>
+                                <p:cTn id="7" presetID="1" presetClass="entr" presetSubtype="0" fill="hold" grpId="0" nodeType="withEffect">
+                                  <p:stCondLst>
+                                    <p:cond delay="0"/>
+                                  </p:stCondLst>
+                                  <p:childTnLst>
+                                    <p:set>
+                                      <p:cBhvr>
+                                        <p:cTn id="8" dur="1" fill="hold">
+                                          <p:stCondLst>
+                                            <p:cond delay="0"/>
+                                          </p:stCondLst>
+                                        </p:cTn>
+                                        <p:tgtEl>
+                                          <p:spTgt spid="5"/>
+                                        </p:tgtEl>
+                                        <p:attrNameLst>
+                                          <p:attrName>style.visibility</p:attrName>
+                                        </p:attrNameLst>
+                                      </p:cBhvr>
+                                      <p:to>
+                                        <p:strVal val="visible"/>
+                                      </p:to>
+                                    </p:set>
+                                  </p:childTnLst>
+                                </p:cTn>
+                              </p:par>
+                            </p:childTnLst>
+                          </p:cTn>
+                        </p:par>
+                      </p:childTnLst>
+                    </p:cTn>
+                  </p:par>
+                </p:childTnLst>
+              </p:cTn>
+              <p:prevCondLst>
+                <p:cond evt="onPrev" delay="0">
+                  <p:tgtEl>
+                    <p:sldTgt/>
+                  </p:tgtEl>
+                </p:cond>
+              </p:prevCondLst>
+              <p:nextCondLst>
+                <p:cond evt="onNext" delay="0">
+                  <p:tgtEl>
+                    <p:sldTgt/>
+                  </p:tgtEl>
+                </p:cond>
+              </p:nextCondLst>
+            </p:seq>
+          </p:childTnLst>
+        </p:cTn>
+      </p:par>
+    </p:tnLst>
+    <p:bldLst>
+      <p:bldP spid="5" grpId="0"/>
+    </p:bldLst>
+  </p:timing>
 </p:sld>
 </file>
 
@@ -13657,6 +13873,60 @@
           </a:prstGeom>
         </p:spPr>
       </p:pic>
+      <p:sp>
+        <p:nvSpPr>
+          <p:cNvPr id="2" name="TextBox 1">
+            <a:extLst>
+              <a:ext uri="{FF2B5EF4-FFF2-40B4-BE49-F238E27FC236}">
+                <a16:creationId xmlns:a16="http://schemas.microsoft.com/office/drawing/2014/main" id="{748DD84F-0960-8391-7987-D3D0FAF36308}"/>
+              </a:ext>
+            </a:extLst>
+          </p:cNvPr>
+          <p:cNvSpPr txBox="1"/>
+          <p:nvPr/>
+        </p:nvSpPr>
+        <p:spPr>
+          <a:xfrm>
+            <a:off x="97516" y="3172143"/>
+            <a:ext cx="1865098" cy="646331"/>
+          </a:xfrm>
+          <a:prstGeom prst="rect">
+            <a:avLst/>
+          </a:prstGeom>
+          <a:noFill/>
+        </p:spPr>
+        <p:txBody>
+          <a:bodyPr wrap="square">
+            <a:spAutoFit/>
+          </a:bodyPr>
+          <a:lstStyle/>
+          <a:p>
+            <a:r>
+              <a:rPr lang="es-ES_tradnl" sz="1800" dirty="0">
+                <a:solidFill>
+                  <a:schemeClr val="accent6"/>
+                </a:solidFill>
+              </a:rPr>
+              <a:t>Filtro </a:t>
+            </a:r>
+          </a:p>
+          <a:p>
+            <a:r>
+              <a:rPr lang="es-ES_tradnl" sz="1800" dirty="0">
+                <a:solidFill>
+                  <a:schemeClr val="accent6"/>
+                </a:solidFill>
+              </a:rPr>
+              <a:t>Promedio:</a:t>
+            </a:r>
+            <a:endParaRPr lang="en-CL" dirty="0">
+              <a:solidFill>
+                <a:schemeClr val="accent6"/>
+              </a:solidFill>
+            </a:endParaRPr>
+          </a:p>
+        </p:txBody>
+      </p:sp>
     </p:spTree>
     <p:extLst>
       <p:ext uri="{BB962C8B-B14F-4D97-AF65-F5344CB8AC3E}">
@@ -14046,6 +14316,60 @@
           </a:prstGeom>
         </p:spPr>
       </p:pic>
+      <p:sp>
+        <p:nvSpPr>
+          <p:cNvPr id="2" name="TextBox 1">
+            <a:extLst>
+              <a:ext uri="{FF2B5EF4-FFF2-40B4-BE49-F238E27FC236}">
+                <a16:creationId xmlns:a16="http://schemas.microsoft.com/office/drawing/2014/main" id="{5F5C5EDB-0395-7704-A652-1AB855C868F0}"/>
+              </a:ext>
+            </a:extLst>
+          </p:cNvPr>
+          <p:cNvSpPr txBox="1"/>
+          <p:nvPr/>
+        </p:nvSpPr>
+        <p:spPr>
+          <a:xfrm>
+            <a:off x="97516" y="3172143"/>
+            <a:ext cx="1865098" cy="646331"/>
+          </a:xfrm>
+          <a:prstGeom prst="rect">
+            <a:avLst/>
+          </a:prstGeom>
+          <a:noFill/>
+        </p:spPr>
+        <p:txBody>
+          <a:bodyPr wrap="square">
+            <a:spAutoFit/>
+          </a:bodyPr>
+          <a:lstStyle/>
+          <a:p>
+            <a:r>
+              <a:rPr lang="es-ES_tradnl" sz="1800" dirty="0">
+                <a:solidFill>
+                  <a:schemeClr val="accent6"/>
+                </a:solidFill>
+              </a:rPr>
+              <a:t>Filtro </a:t>
+            </a:r>
+          </a:p>
+          <a:p>
+            <a:r>
+              <a:rPr lang="es-ES_tradnl" sz="1800" dirty="0">
+                <a:solidFill>
+                  <a:schemeClr val="accent6"/>
+                </a:solidFill>
+              </a:rPr>
+              <a:t>Gaussiano:</a:t>
+            </a:r>
+            <a:endParaRPr lang="en-CL" dirty="0">
+              <a:solidFill>
+                <a:schemeClr val="accent6"/>
+              </a:solidFill>
+            </a:endParaRPr>
+          </a:p>
+        </p:txBody>
+      </p:sp>
     </p:spTree>
     <p:extLst>
       <p:ext uri="{BB962C8B-B14F-4D97-AF65-F5344CB8AC3E}">
@@ -14391,6 +14715,60 @@
           </a:prstGeom>
         </p:spPr>
       </p:pic>
+      <p:sp>
+        <p:nvSpPr>
+          <p:cNvPr id="2" name="TextBox 1">
+            <a:extLst>
+              <a:ext uri="{FF2B5EF4-FFF2-40B4-BE49-F238E27FC236}">
+                <a16:creationId xmlns:a16="http://schemas.microsoft.com/office/drawing/2014/main" id="{08275A42-A759-CCE3-E6FE-1D91608BA1E3}"/>
+              </a:ext>
+            </a:extLst>
+          </p:cNvPr>
+          <p:cNvSpPr txBox="1"/>
+          <p:nvPr/>
+        </p:nvSpPr>
+        <p:spPr>
+          <a:xfrm>
+            <a:off x="97516" y="3172143"/>
+            <a:ext cx="1865098" cy="646331"/>
+          </a:xfrm>
+          <a:prstGeom prst="rect">
+            <a:avLst/>
+          </a:prstGeom>
+          <a:noFill/>
+        </p:spPr>
+        <p:txBody>
+          <a:bodyPr wrap="square">
+            <a:spAutoFit/>
+          </a:bodyPr>
+          <a:lstStyle/>
+          <a:p>
+            <a:r>
+              <a:rPr lang="es-ES_tradnl" sz="1800" dirty="0">
+                <a:solidFill>
+                  <a:schemeClr val="accent6"/>
+                </a:solidFill>
+              </a:rPr>
+              <a:t>Filtro </a:t>
+            </a:r>
+          </a:p>
+          <a:p>
+            <a:r>
+              <a:rPr lang="es-ES_tradnl" sz="1800" dirty="0">
+                <a:solidFill>
+                  <a:schemeClr val="accent6"/>
+                </a:solidFill>
+              </a:rPr>
+              <a:t>Gaussiano:</a:t>
+            </a:r>
+            <a:endParaRPr lang="en-CL" dirty="0">
+              <a:solidFill>
+                <a:schemeClr val="accent6"/>
+              </a:solidFill>
+            </a:endParaRPr>
+          </a:p>
+        </p:txBody>
+      </p:sp>
     </p:spTree>
     <p:extLst>
       <p:ext uri="{BB962C8B-B14F-4D97-AF65-F5344CB8AC3E}">
@@ -15351,6 +15729,50 @@
           </a:p>
         </p:txBody>
       </p:sp>
+      <p:sp>
+        <p:nvSpPr>
+          <p:cNvPr id="4" name="TextBox 3">
+            <a:extLst>
+              <a:ext uri="{FF2B5EF4-FFF2-40B4-BE49-F238E27FC236}">
+                <a16:creationId xmlns:a16="http://schemas.microsoft.com/office/drawing/2014/main" id="{629B1A71-62D2-3E57-F85D-1327E56AE41F}"/>
+              </a:ext>
+            </a:extLst>
+          </p:cNvPr>
+          <p:cNvSpPr txBox="1"/>
+          <p:nvPr/>
+        </p:nvSpPr>
+        <p:spPr>
+          <a:xfrm>
+            <a:off x="5252691" y="1388784"/>
+            <a:ext cx="1865098" cy="369332"/>
+          </a:xfrm>
+          <a:prstGeom prst="rect">
+            <a:avLst/>
+          </a:prstGeom>
+          <a:noFill/>
+        </p:spPr>
+        <p:txBody>
+          <a:bodyPr wrap="square">
+            <a:spAutoFit/>
+          </a:bodyPr>
+          <a:lstStyle/>
+          <a:p>
+            <a:r>
+              <a:rPr lang="es-ES_tradnl" sz="1800" dirty="0">
+                <a:solidFill>
+                  <a:srgbClr val="0070C0"/>
+                </a:solidFill>
+              </a:rPr>
+              <a:t>(ruido)</a:t>
+            </a:r>
+            <a:endParaRPr lang="en-CL" dirty="0">
+              <a:solidFill>
+                <a:srgbClr val="0070C0"/>
+              </a:solidFill>
+            </a:endParaRPr>
+          </a:p>
+        </p:txBody>
+      </p:sp>
     </p:spTree>
     <p:extLst>
       <p:ext uri="{BB962C8B-B14F-4D97-AF65-F5344CB8AC3E}">
@@ -15457,15 +15879,60 @@
                                   </p:childTnLst>
                                 </p:cTn>
                               </p:par>
+                            </p:childTnLst>
+                          </p:cTn>
+                        </p:par>
+                        <p:par>
+                          <p:cTn id="9" fill="hold">
+                            <p:stCondLst>
+                              <p:cond delay="500"/>
+                            </p:stCondLst>
+                            <p:childTnLst>
                               <p:par>
-                                <p:cTn id="9" presetID="5" presetClass="exit" presetSubtype="10" fill="hold" grpId="0" nodeType="withEffect">
+                                <p:cTn id="10" presetID="1" presetClass="entr" presetSubtype="0" fill="hold" grpId="0" nodeType="afterEffect">
+                                  <p:stCondLst>
+                                    <p:cond delay="0"/>
+                                  </p:stCondLst>
+                                  <p:childTnLst>
+                                    <p:set>
+                                      <p:cBhvr>
+                                        <p:cTn id="11" dur="1" fill="hold">
+                                          <p:stCondLst>
+                                            <p:cond delay="0"/>
+                                          </p:stCondLst>
+                                        </p:cTn>
+                                        <p:tgtEl>
+                                          <p:spTgt spid="4"/>
+                                        </p:tgtEl>
+                                        <p:attrNameLst>
+                                          <p:attrName>style.visibility</p:attrName>
+                                        </p:attrNameLst>
+                                      </p:cBhvr>
+                                      <p:to>
+                                        <p:strVal val="visible"/>
+                                      </p:to>
+                                    </p:set>
+                                  </p:childTnLst>
+                                </p:cTn>
+                              </p:par>
+                            </p:childTnLst>
+                          </p:cTn>
+                        </p:par>
+                        <p:par>
+                          <p:cTn id="12" fill="hold">
+                            <p:stCondLst>
+                              <p:cond delay="500"/>
+                            </p:stCondLst>
+                            <p:childTnLst>
+                              <p:par>
+                                <p:cTn id="13" presetID="5" presetClass="exit" presetSubtype="10" fill="hold" grpId="0" nodeType="afterEffect">
                                   <p:stCondLst>
                                     <p:cond delay="0"/>
                                   </p:stCondLst>
                                   <p:childTnLst>
                                     <p:animEffect transition="out" filter="checkerboard(across)">
                                       <p:cBhvr>
-                                        <p:cTn id="10" dur="500"/>
+                                        <p:cTn id="14" dur="500"/>
                                         <p:tgtEl>
                                           <p:spTgt spid="3"/>
                                         </p:tgtEl>
@@ -15473,7 +15940,7 @@
                                     </p:animEffect>
                                     <p:set>
                                       <p:cBhvr>
-                                        <p:cTn id="11" dur="1" fill="hold">
+                                        <p:cTn id="15" dur="1" fill="hold">
                                           <p:stCondLst>
                                             <p:cond delay="499"/>
                                           </p:stCondLst>
@@ -15521,6 +15988,7 @@
     </p:tnLst>
     <p:bldLst>
       <p:bldP spid="3" grpId="0" animBg="1"/>
+      <p:bldP spid="4" grpId="0"/>
     </p:bldLst>
   </p:timing>
 </p:sld>
@@ -16324,6 +16792,50 @@
           </a:fontRef>
         </p:style>
       </p:cxnSp>
+      <p:sp>
+        <p:nvSpPr>
+          <p:cNvPr id="2" name="TextBox 1">
+            <a:extLst>
+              <a:ext uri="{FF2B5EF4-FFF2-40B4-BE49-F238E27FC236}">
+                <a16:creationId xmlns:a16="http://schemas.microsoft.com/office/drawing/2014/main" id="{73D79A3A-86A8-5C04-4984-12540121C9ED}"/>
+              </a:ext>
+            </a:extLst>
+          </p:cNvPr>
+          <p:cNvSpPr txBox="1"/>
+          <p:nvPr/>
+        </p:nvSpPr>
+        <p:spPr>
+          <a:xfrm>
+            <a:off x="5252691" y="1388784"/>
+            <a:ext cx="1865098" cy="369332"/>
+          </a:xfrm>
+          <a:prstGeom prst="rect">
+            <a:avLst/>
+          </a:prstGeom>
+          <a:noFill/>
+        </p:spPr>
+        <p:txBody>
+          <a:bodyPr wrap="square">
+            <a:spAutoFit/>
+          </a:bodyPr>
+          <a:lstStyle/>
+          <a:p>
+            <a:r>
+              <a:rPr lang="es-ES_tradnl" sz="1800" dirty="0">
+                <a:solidFill>
+                  <a:srgbClr val="0070C0"/>
+                </a:solidFill>
+              </a:rPr>
+              <a:t>(ruido)</a:t>
+            </a:r>
+            <a:endParaRPr lang="en-CL" dirty="0">
+              <a:solidFill>
+                <a:srgbClr val="0070C0"/>
+              </a:solidFill>
+            </a:endParaRPr>
+          </a:p>
+        </p:txBody>
+      </p:sp>
     </p:spTree>
     <p:extLst>
       <p:ext uri="{BB962C8B-B14F-4D97-AF65-F5344CB8AC3E}">
